--- a/sem4/AKMS/пр6_през_Руденко_ИКБО-13-22.pptx
+++ b/sem4/AKMS/пр6_през_Руденко_ИКБО-13-22.pptx
@@ -5,15 +5,13 @@
     <p:sldMasterId id="2147483690" r:id="rId1"/>
   </p:sldMasterIdLst>
   <p:notesMasterIdLst>
-    <p:notesMasterId r:id="rId8"/>
+    <p:notesMasterId r:id="rId6"/>
   </p:notesMasterIdLst>
   <p:sldIdLst>
     <p:sldId id="256" r:id="rId2"/>
     <p:sldId id="259" r:id="rId3"/>
     <p:sldId id="267" r:id="rId4"/>
-    <p:sldId id="266" r:id="rId5"/>
-    <p:sldId id="269" r:id="rId6"/>
-    <p:sldId id="274" r:id="rId7"/>
+    <p:sldId id="269" r:id="rId5"/>
   </p:sldIdLst>
   <p:sldSz cx="12192000" cy="6858000"/>
   <p:notesSz cx="6858000" cy="9144000"/>
@@ -535,90 +533,6 @@
             <a:fld id="{2E8F4180-F8CA-4426-8645-F4768144BEDD}" type="slidenum">
               <a:rPr lang="ru-RU" smtClean="0"/>
               <a:t>4</a:t>
-            </a:fld>
-            <a:endParaRPr lang="ru-RU"/>
-          </a:p>
-        </p:txBody>
-      </p:sp>
-    </p:spTree>
-    <p:extLst>
-      <p:ext uri="{BB962C8B-B14F-4D97-AF65-F5344CB8AC3E}">
-        <p14:creationId xmlns:p14="http://schemas.microsoft.com/office/powerpoint/2010/main" val="809757071"/>
-      </p:ext>
-    </p:extLst>
-  </p:cSld>
-  <p:clrMapOvr>
-    <a:masterClrMapping/>
-  </p:clrMapOvr>
-</p:notes>
-</file>
-
-<file path=ppt/notesSlides/notesSlide2.xml><?xml version="1.0" encoding="utf-8"?>
-<p:notes xmlns:a="http://schemas.openxmlformats.org/drawingml/2006/main" xmlns:r="http://schemas.openxmlformats.org/officeDocument/2006/relationships" xmlns:p="http://schemas.openxmlformats.org/presentationml/2006/main">
-  <p:cSld>
-    <p:spTree>
-      <p:nvGrpSpPr>
-        <p:cNvPr id="1" name=""/>
-        <p:cNvGrpSpPr/>
-        <p:nvPr/>
-      </p:nvGrpSpPr>
-      <p:grpSpPr>
-        <a:xfrm>
-          <a:off x="0" y="0"/>
-          <a:ext cx="0" cy="0"/>
-          <a:chOff x="0" y="0"/>
-          <a:chExt cx="0" cy="0"/>
-        </a:xfrm>
-      </p:grpSpPr>
-      <p:sp>
-        <p:nvSpPr>
-          <p:cNvPr id="2" name="Образ слайда 1"/>
-          <p:cNvSpPr>
-            <a:spLocks noGrp="1" noRot="1" noChangeAspect="1"/>
-          </p:cNvSpPr>
-          <p:nvPr>
-            <p:ph type="sldImg"/>
-          </p:nvPr>
-        </p:nvSpPr>
-        <p:spPr/>
-      </p:sp>
-      <p:sp>
-        <p:nvSpPr>
-          <p:cNvPr id="3" name="Заметки 2"/>
-          <p:cNvSpPr>
-            <a:spLocks noGrp="1"/>
-          </p:cNvSpPr>
-          <p:nvPr>
-            <p:ph type="body" idx="1"/>
-          </p:nvPr>
-        </p:nvSpPr>
-        <p:spPr/>
-        <p:txBody>
-          <a:bodyPr/>
-          <a:lstStyle/>
-          <a:p>
-            <a:endParaRPr lang="ru-RU" dirty="0"/>
-          </a:p>
-        </p:txBody>
-      </p:sp>
-      <p:sp>
-        <p:nvSpPr>
-          <p:cNvPr id="4" name="Номер слайда 3"/>
-          <p:cNvSpPr>
-            <a:spLocks noGrp="1"/>
-          </p:cNvSpPr>
-          <p:nvPr>
-            <p:ph type="sldNum" sz="quarter" idx="5"/>
-          </p:nvPr>
-        </p:nvSpPr>
-        <p:spPr/>
-        <p:txBody>
-          <a:bodyPr/>
-          <a:lstStyle/>
-          <a:p>
-            <a:fld id="{2E8F4180-F8CA-4426-8645-F4768144BEDD}" type="slidenum">
-              <a:rPr lang="ru-RU" smtClean="0"/>
-              <a:t>5</a:t>
             </a:fld>
             <a:endParaRPr lang="ru-RU"/>
           </a:p>
@@ -8506,7 +8420,7 @@
                 <a:latin typeface="Times New Roman" panose="02020603050405020304" pitchFamily="18" charset="0"/>
                 <a:cs typeface="Times New Roman" panose="02020603050405020304" pitchFamily="18" charset="0"/>
               </a:rPr>
-              <a:t>Бадинов Бадма Евгеньевич</a:t>
+              <a:t>Руденко Алексей Дмитриевич</a:t>
             </a:r>
             <a:endParaRPr lang="uk-UA" dirty="0">
               <a:latin typeface="Times New Roman" panose="02020603050405020304" pitchFamily="18" charset="0"/>
@@ -8769,8 +8683,8 @@
         </p:nvGrpSpPr>
         <p:grpSpPr>
           <a:xfrm>
-            <a:off x="680320" y="3035218"/>
-            <a:ext cx="7665792" cy="2172131"/>
+            <a:off x="680320" y="3035217"/>
+            <a:ext cx="7665792" cy="2172130"/>
             <a:chOff x="6372542" y="1641124"/>
             <a:chExt cx="2028215" cy="1599703"/>
           </a:xfrm>
@@ -8884,7 +8798,7 @@
                   <a:ea typeface="Droid Sans Fallback"/>
                   <a:cs typeface="FreeSans"/>
                 </a:rPr>
-                <a:t> №2 «Моделирование организации продаж подержанных автомобилей в автосалоне»</a:t>
+                <a:t> №26 «Моделирование организации продажи билетов в кинотеатр»</a:t>
               </a:r>
             </a:p>
           </p:txBody>
@@ -9136,34 +9050,6 @@
           <a:chExt cx="0" cy="0"/>
         </a:xfrm>
       </p:grpSpPr>
-      <p:pic>
-        <p:nvPicPr>
-          <p:cNvPr id="9" name="Content Placeholder 8">
-            <a:extLst>
-              <a:ext uri="{FF2B5EF4-FFF2-40B4-BE49-F238E27FC236}">
-                <a16:creationId xmlns:a16="http://schemas.microsoft.com/office/drawing/2014/main" id="{14D2AC00-4FFF-46BA-B45B-EFE99DFCCCAF}"/>
-              </a:ext>
-            </a:extLst>
-          </p:cNvPr>
-          <p:cNvPicPr>
-            <a:picLocks noGrp="1" noChangeAspect="1"/>
-          </p:cNvPicPr>
-          <p:nvPr>
-            <p:ph sz="half" idx="2"/>
-          </p:nvPr>
-        </p:nvPicPr>
-        <p:blipFill>
-          <a:blip r:embed="rId2"/>
-          <a:srcRect/>
-          <a:stretch/>
-        </p:blipFill>
-        <p:spPr>
-          <a:xfrm>
-            <a:off x="2370202" y="2146367"/>
-            <a:ext cx="3852572" cy="4182588"/>
-          </a:xfrm>
-        </p:spPr>
-      </p:pic>
       <p:sp>
         <p:nvSpPr>
           <p:cNvPr id="13" name="TextBox 12">
@@ -9197,12 +9083,42 @@
                 <a:latin typeface="Times New Roman" panose="02020603050405020304" pitchFamily="18" charset="0"/>
                 <a:cs typeface="Times New Roman" panose="02020603050405020304" pitchFamily="18" charset="0"/>
               </a:rPr>
-              <a:t>Диаграмма состояния автомобиля</a:t>
+              <a:t>Диаграмма состояния клиента</a:t>
             </a:r>
             <a:endParaRPr lang="ru-RU" sz="2400" dirty="0"/>
           </a:p>
         </p:txBody>
       </p:sp>
+      <p:pic>
+        <p:nvPicPr>
+          <p:cNvPr id="6" name="Рисунок 5">
+            <a:extLst>
+              <a:ext uri="{FF2B5EF4-FFF2-40B4-BE49-F238E27FC236}">
+                <a16:creationId xmlns:a16="http://schemas.microsoft.com/office/drawing/2014/main" id="{B0D988B8-C1F7-4A8B-BB7C-26C3EAD59D4D}"/>
+              </a:ext>
+            </a:extLst>
+          </p:cNvPr>
+          <p:cNvPicPr>
+            <a:picLocks noChangeAspect="1"/>
+          </p:cNvPicPr>
+          <p:nvPr/>
+        </p:nvPicPr>
+        <p:blipFill>
+          <a:blip r:embed="rId2"/>
+          <a:stretch>
+            <a:fillRect/>
+          </a:stretch>
+        </p:blipFill>
+        <p:spPr>
+          <a:xfrm>
+            <a:off x="6543206" y="389937"/>
+            <a:ext cx="4219732" cy="6065468"/>
+          </a:xfrm>
+          <a:prstGeom prst="rect">
+            <a:avLst/>
+          </a:prstGeom>
+        </p:spPr>
+      </p:pic>
     </p:spTree>
     <p:extLst>
       <p:ext uri="{BB962C8B-B14F-4D97-AF65-F5344CB8AC3E}">
@@ -9257,8 +9173,8 @@
         </p:nvSpPr>
         <p:spPr>
           <a:xfrm>
-            <a:off x="528488" y="593999"/>
-            <a:ext cx="8792496" cy="1456267"/>
+            <a:off x="666139" y="906645"/>
+            <a:ext cx="8792496" cy="725510"/>
           </a:xfrm>
         </p:spPr>
         <p:txBody>
@@ -9272,7 +9188,7 @@
                 <a:latin typeface="Times New Roman" panose="02020603050405020304" pitchFamily="18" charset="0"/>
                 <a:cs typeface="Times New Roman" panose="02020603050405020304" pitchFamily="18" charset="0"/>
               </a:rPr>
-              <a:t>Диаграмма состояний покупателя</a:t>
+              <a:t>Диаграмма активности автосалона</a:t>
             </a:r>
             <a:endParaRPr lang="en-UA" sz="4400" dirty="0">
               <a:latin typeface="Times New Roman" panose="02020603050405020304" pitchFamily="18" charset="0"/>
@@ -9281,57 +9197,12 @@
           </a:p>
         </p:txBody>
       </p:sp>
-      <p:sp>
-        <p:nvSpPr>
-          <p:cNvPr id="9" name="TextBox 8">
+      <p:pic>
+        <p:nvPicPr>
+          <p:cNvPr id="4" name="Рисунок 3">
             <a:extLst>
               <a:ext uri="{FF2B5EF4-FFF2-40B4-BE49-F238E27FC236}">
-                <a16:creationId xmlns:a16="http://schemas.microsoft.com/office/drawing/2014/main" id="{9421B9CD-E5DD-44BB-83E5-CE3E3E0CA114}"/>
-              </a:ext>
-            </a:extLst>
-          </p:cNvPr>
-          <p:cNvSpPr txBox="1"/>
-          <p:nvPr/>
-        </p:nvSpPr>
-        <p:spPr>
-          <a:xfrm>
-            <a:off x="381003" y="1796686"/>
-            <a:ext cx="6869290" cy="369332"/>
-          </a:xfrm>
-          <a:prstGeom prst="rect">
-            <a:avLst/>
-          </a:prstGeom>
-          <a:noFill/>
-        </p:spPr>
-        <p:txBody>
-          <a:bodyPr wrap="square">
-            <a:spAutoFit/>
-          </a:bodyPr>
-          <a:lstStyle/>
-          <a:p>
-            <a:pPr algn="ctr">
-              <a:spcAft>
-                <a:spcPts val="1700"/>
-              </a:spcAft>
-            </a:pPr>
-            <a:r>
-              <a:rPr lang="ru-RU" sz="1800" kern="100" dirty="0">
-                <a:effectLst/>
-                <a:latin typeface="Times New Roman" panose="02020603050405020304" pitchFamily="18" charset="0"/>
-                <a:ea typeface="Droid Sans Fallback"/>
-                <a:cs typeface="FreeSans"/>
-              </a:rPr>
-              <a:t>	</a:t>
-            </a:r>
-          </a:p>
-        </p:txBody>
-      </p:sp>
-      <p:pic>
-        <p:nvPicPr>
-          <p:cNvPr id="5" name="Picture 4">
-            <a:extLst>
-              <a:ext uri="{FF2B5EF4-FFF2-40B4-BE49-F238E27FC236}">
-                <a16:creationId xmlns:a16="http://schemas.microsoft.com/office/drawing/2014/main" id="{4355F1D0-138E-4AEA-A2C6-54563980E1E4}"/>
+                <a16:creationId xmlns:a16="http://schemas.microsoft.com/office/drawing/2014/main" id="{5D16CC29-DEDC-4218-AB0A-51D9DC6DB9A9}"/>
               </a:ext>
             </a:extLst>
           </p:cNvPr>
@@ -9342,124 +9213,28 @@
         </p:nvPicPr>
         <p:blipFill>
           <a:blip r:embed="rId3"/>
-          <a:srcRect/>
-          <a:stretch/>
+          <a:stretch>
+            <a:fillRect/>
+          </a:stretch>
         </p:blipFill>
         <p:spPr>
           <a:xfrm>
-            <a:off x="976238" y="2050266"/>
-            <a:ext cx="3789555" cy="4742910"/>
+            <a:off x="5141627" y="1632155"/>
+            <a:ext cx="5102809" cy="4858678"/>
           </a:xfrm>
           <a:prstGeom prst="rect">
             <a:avLst/>
           </a:prstGeom>
-        </p:spPr>
-      </p:pic>
-    </p:spTree>
-    <p:extLst>
-      <p:ext uri="{BB962C8B-B14F-4D97-AF65-F5344CB8AC3E}">
-        <p14:creationId xmlns:p14="http://schemas.microsoft.com/office/powerpoint/2010/main" val="2337005304"/>
-      </p:ext>
-    </p:extLst>
-  </p:cSld>
-  <p:clrMapOvr>
-    <a:masterClrMapping/>
-  </p:clrMapOvr>
-</p:sld>
-</file>
-
-<file path=ppt/slides/slide5.xml><?xml version="1.0" encoding="utf-8"?>
-<p:sld xmlns:a="http://schemas.openxmlformats.org/drawingml/2006/main" xmlns:r="http://schemas.openxmlformats.org/officeDocument/2006/relationships" xmlns:p="http://schemas.openxmlformats.org/presentationml/2006/main">
-  <p:cSld>
-    <p:spTree>
-      <p:nvGrpSpPr>
-        <p:cNvPr id="1" name="">
-          <a:extLst>
-            <a:ext uri="{FF2B5EF4-FFF2-40B4-BE49-F238E27FC236}">
-              <a16:creationId xmlns:a16="http://schemas.microsoft.com/office/drawing/2014/main" id="{55E6A9C7-B2B3-9D4F-9E52-3A06D78DD0A3}"/>
-            </a:ext>
-          </a:extLst>
-        </p:cNvPr>
-        <p:cNvGrpSpPr/>
-        <p:nvPr/>
-      </p:nvGrpSpPr>
-      <p:grpSpPr>
-        <a:xfrm>
-          <a:off x="0" y="0"/>
-          <a:ext cx="0" cy="0"/>
-          <a:chOff x="0" y="0"/>
-          <a:chExt cx="0" cy="0"/>
-        </a:xfrm>
-      </p:grpSpPr>
-      <p:sp>
-        <p:nvSpPr>
-          <p:cNvPr id="2" name="Title 1">
-            <a:extLst>
-              <a:ext uri="{FF2B5EF4-FFF2-40B4-BE49-F238E27FC236}">
-                <a16:creationId xmlns:a16="http://schemas.microsoft.com/office/drawing/2014/main" id="{7FD22E7F-85B3-6A65-A336-7F62B1B0EF46}"/>
-              </a:ext>
-            </a:extLst>
-          </p:cNvPr>
-          <p:cNvSpPr>
-            <a:spLocks noGrp="1"/>
-          </p:cNvSpPr>
-          <p:nvPr>
-            <p:ph type="title"/>
-          </p:nvPr>
-        </p:nvSpPr>
-        <p:spPr>
-          <a:xfrm>
-            <a:off x="666139" y="906645"/>
-            <a:ext cx="8792496" cy="725510"/>
-          </a:xfrm>
-        </p:spPr>
-        <p:txBody>
-          <a:bodyPr>
-            <a:normAutofit/>
-          </a:bodyPr>
-          <a:lstStyle/>
-          <a:p>
-            <a:r>
-              <a:rPr lang="ru-RU" sz="2400" dirty="0">
-                <a:latin typeface="Times New Roman" panose="02020603050405020304" pitchFamily="18" charset="0"/>
-                <a:cs typeface="Times New Roman" panose="02020603050405020304" pitchFamily="18" charset="0"/>
-              </a:rPr>
-              <a:t>Диаграмма активности автосалона</a:t>
-            </a:r>
-            <a:endParaRPr lang="en-UA" sz="4400" dirty="0">
-              <a:latin typeface="Times New Roman" panose="02020603050405020304" pitchFamily="18" charset="0"/>
-              <a:cs typeface="Times New Roman" panose="02020603050405020304" pitchFamily="18" charset="0"/>
-            </a:endParaRPr>
-          </a:p>
-        </p:txBody>
-      </p:sp>
-      <p:pic>
-        <p:nvPicPr>
-          <p:cNvPr id="5" name="Picture 4">
-            <a:extLst>
-              <a:ext uri="{FF2B5EF4-FFF2-40B4-BE49-F238E27FC236}">
-                <a16:creationId xmlns:a16="http://schemas.microsoft.com/office/drawing/2014/main" id="{3A031B99-DEF2-4CBE-8B1B-9F77F08F84FE}"/>
-              </a:ext>
-            </a:extLst>
-          </p:cNvPr>
-          <p:cNvPicPr>
-            <a:picLocks noChangeAspect="1"/>
-          </p:cNvPicPr>
-          <p:nvPr/>
-        </p:nvPicPr>
-        <p:blipFill>
-          <a:blip r:embed="rId3"/>
-          <a:srcRect/>
-          <a:stretch/>
-        </p:blipFill>
-        <p:spPr>
-          <a:xfrm>
-            <a:off x="666139" y="2047525"/>
-            <a:ext cx="5941137" cy="4644308"/>
-          </a:xfrm>
-          <a:prstGeom prst="rect">
-            <a:avLst/>
-          </a:prstGeom>
+          <a:ln>
+            <a:noFill/>
+          </a:ln>
+          <a:effectLst>
+            <a:outerShdw blurRad="292100" dist="139700" dir="2700000" algn="tl" rotWithShape="0">
+              <a:srgbClr val="333333">
+                <a:alpha val="65000"/>
+              </a:srgbClr>
+            </a:outerShdw>
+          </a:effectLst>
         </p:spPr>
       </p:pic>
     </p:spTree>
@@ -9472,84 +9247,6 @@
   <p:clrMapOvr>
     <a:masterClrMapping/>
   </p:clrMapOvr>
-</p:sld>
-</file>
-
-<file path=ppt/slides/slide6.xml><?xml version="1.0" encoding="utf-8"?>
-<p:sld xmlns:a="http://schemas.openxmlformats.org/drawingml/2006/main" xmlns:r="http://schemas.openxmlformats.org/officeDocument/2006/relationships" xmlns:p="http://schemas.openxmlformats.org/presentationml/2006/main">
-  <p:cSld>
-    <p:spTree>
-      <p:nvGrpSpPr>
-        <p:cNvPr id="1" name=""/>
-        <p:cNvGrpSpPr/>
-        <p:nvPr/>
-      </p:nvGrpSpPr>
-      <p:grpSpPr>
-        <a:xfrm>
-          <a:off x="0" y="0"/>
-          <a:ext cx="0" cy="0"/>
-          <a:chOff x="0" y="0"/>
-          <a:chExt cx="0" cy="0"/>
-        </a:xfrm>
-      </p:grpSpPr>
-      <p:sp>
-        <p:nvSpPr>
-          <p:cNvPr id="2" name="Title 1">
-            <a:extLst>
-              <a:ext uri="{FF2B5EF4-FFF2-40B4-BE49-F238E27FC236}">
-                <a16:creationId xmlns:a16="http://schemas.microsoft.com/office/drawing/2014/main" id="{6AE486C8-2F75-4DF3-89B8-E29FAF91F6E0}"/>
-              </a:ext>
-            </a:extLst>
-          </p:cNvPr>
-          <p:cNvSpPr>
-            <a:spLocks noGrp="1"/>
-          </p:cNvSpPr>
-          <p:nvPr>
-            <p:ph type="ctrTitle"/>
-          </p:nvPr>
-        </p:nvSpPr>
-        <p:spPr>
-          <a:xfrm>
-            <a:off x="4955457" y="2934023"/>
-            <a:ext cx="3770675" cy="989953"/>
-          </a:xfrm>
-        </p:spPr>
-        <p:txBody>
-          <a:bodyPr>
-            <a:normAutofit/>
-          </a:bodyPr>
-          <a:lstStyle/>
-          <a:p>
-            <a:r>
-              <a:rPr lang="en-US" sz="6000" dirty="0"/>
-              <a:t>THE END.</a:t>
-            </a:r>
-            <a:endParaRPr lang="ru-RU" sz="6000" dirty="0"/>
-          </a:p>
-        </p:txBody>
-      </p:sp>
-    </p:spTree>
-    <p:extLst>
-      <p:ext uri="{BB962C8B-B14F-4D97-AF65-F5344CB8AC3E}">
-        <p14:creationId xmlns:p14="http://schemas.microsoft.com/office/powerpoint/2010/main" val="2282662046"/>
-      </p:ext>
-    </p:extLst>
-  </p:cSld>
-  <p:clrMapOvr>
-    <a:masterClrMapping/>
-  </p:clrMapOvr>
-  <mc:AlternateContent xmlns:mc="http://schemas.openxmlformats.org/markup-compatibility/2006" xmlns:p14="http://schemas.microsoft.com/office/powerpoint/2010/main">
-    <mc:Choice Requires="p14">
-      <p:transition spd="slow" p14:dur="3400">
-        <p14:reveal/>
-      </p:transition>
-    </mc:Choice>
-    <mc:Fallback xmlns="">
-      <p:transition spd="slow">
-        <p:fade/>
-      </p:transition>
-    </mc:Fallback>
-  </mc:AlternateContent>
 </p:sld>
 </file>
 
